--- a/Materialien/Powerpoint/Einfuehrung in konrollstrukturen 2.pptx
+++ b/Materialien/Powerpoint/Einfuehrung in konrollstrukturen 2.pptx
@@ -8,7 +8,8 @@
     <p:sldId id="261" r:id="rId2"/>
     <p:sldId id="262" r:id="rId3"/>
     <p:sldId id="263" r:id="rId4"/>
-    <p:sldId id="264" r:id="rId5"/>
+    <p:sldId id="265" r:id="rId5"/>
+    <p:sldId id="264" r:id="rId6"/>
   </p:sldIdLst>
   <p:sldSz cx="12192000" cy="6858000"/>
   <p:notesSz cx="6858000" cy="9144000"/>
@@ -8055,6 +8056,694 @@
                   </a:schemeClr>
                 </a:solidFill>
               </a:rPr>
+              <a:t>Break / </a:t>
+            </a:r>
+            <a:r>
+              <a:rPr lang="de-DE" sz="4400" dirty="0" err="1">
+                <a:solidFill>
+                  <a:schemeClr val="tx1">
+                    <a:lumMod val="95000"/>
+                  </a:schemeClr>
+                </a:solidFill>
+              </a:rPr>
+              <a:t>Continue</a:t>
+            </a:r>
+            <a:r>
+              <a:rPr lang="de-DE" sz="4400" dirty="0">
+                <a:solidFill>
+                  <a:schemeClr val="tx1">
+                    <a:lumMod val="95000"/>
+                  </a:schemeClr>
+                </a:solidFill>
+              </a:rPr>
+              <a:t> in Schleifen</a:t>
+            </a:r>
+          </a:p>
+        </p:txBody>
+      </p:sp>
+      <p:sp>
+        <p:nvSpPr>
+          <p:cNvPr id="6" name="Inhaltsplatzhalter 5">
+            <a:extLst>
+              <a:ext uri="{FF2B5EF4-FFF2-40B4-BE49-F238E27FC236}">
+                <a16:creationId xmlns:a16="http://schemas.microsoft.com/office/drawing/2014/main" id="{67FD4DD5-46C1-4974-A569-BB95F27DCC4F}"/>
+              </a:ext>
+            </a:extLst>
+          </p:cNvPr>
+          <p:cNvSpPr>
+            <a:spLocks noGrp="1"/>
+          </p:cNvSpPr>
+          <p:nvPr>
+            <p:ph idx="1"/>
+          </p:nvPr>
+        </p:nvSpPr>
+        <p:spPr>
+          <a:xfrm>
+            <a:off x="838200" y="1825625"/>
+            <a:ext cx="7958667" cy="4351338"/>
+          </a:xfrm>
+        </p:spPr>
+        <p:txBody>
+          <a:bodyPr>
+            <a:normAutofit/>
+          </a:bodyPr>
+          <a:lstStyle/>
+          <a:p>
+            <a:r>
+              <a:rPr lang="de-DE" sz="2400" dirty="0">
+                <a:solidFill>
+                  <a:schemeClr val="tx1">
+                    <a:lumMod val="95000"/>
+                  </a:schemeClr>
+                </a:solidFill>
+              </a:rPr>
+              <a:t>Mit diesen Schlüsselwörtern werden Schleifen</a:t>
+            </a:r>
+          </a:p>
+          <a:p>
+            <a:pPr lvl="1"/>
+            <a:r>
+              <a:rPr lang="de-DE" sz="2000" dirty="0">
+                <a:solidFill>
+                  <a:schemeClr val="tx1">
+                    <a:lumMod val="95000"/>
+                  </a:schemeClr>
+                </a:solidFill>
+              </a:rPr>
+              <a:t>Beendet (break)</a:t>
+            </a:r>
+          </a:p>
+          <a:p>
+            <a:pPr lvl="1"/>
+            <a:r>
+              <a:rPr lang="de-DE" sz="2000" dirty="0" err="1">
+                <a:solidFill>
+                  <a:schemeClr val="tx1">
+                    <a:lumMod val="95000"/>
+                  </a:schemeClr>
+                </a:solidFill>
+              </a:rPr>
+              <a:t>Continue</a:t>
+            </a:r>
+            <a:r>
+              <a:rPr lang="de-DE" sz="2000" dirty="0">
+                <a:solidFill>
+                  <a:schemeClr val="tx1">
+                    <a:lumMod val="95000"/>
+                  </a:schemeClr>
+                </a:solidFill>
+              </a:rPr>
+              <a:t> (fortgesetzt)</a:t>
+            </a:r>
+          </a:p>
+          <a:p>
+            <a:r>
+              <a:rPr lang="de-DE" sz="2400" dirty="0">
+                <a:solidFill>
+                  <a:schemeClr val="tx1">
+                    <a:lumMod val="95000"/>
+                  </a:schemeClr>
+                </a:solidFill>
+              </a:rPr>
+              <a:t>Mit „</a:t>
+            </a:r>
+            <a:r>
+              <a:rPr lang="de-DE" sz="2400" dirty="0" err="1">
+                <a:solidFill>
+                  <a:schemeClr val="tx1">
+                    <a:lumMod val="95000"/>
+                  </a:schemeClr>
+                </a:solidFill>
+              </a:rPr>
+              <a:t>beak</a:t>
+            </a:r>
+            <a:r>
+              <a:rPr lang="de-DE" sz="2400" dirty="0">
+                <a:solidFill>
+                  <a:schemeClr val="tx1">
+                    <a:lumMod val="95000"/>
+                  </a:schemeClr>
+                </a:solidFill>
+              </a:rPr>
+              <a:t>“ wird eine Schleife verlassen</a:t>
+            </a:r>
+          </a:p>
+          <a:p>
+            <a:r>
+              <a:rPr lang="de-DE" sz="2400" dirty="0">
+                <a:solidFill>
+                  <a:schemeClr val="tx1">
+                    <a:lumMod val="95000"/>
+                  </a:schemeClr>
+                </a:solidFill>
+              </a:rPr>
+              <a:t>Mit dem „</a:t>
+            </a:r>
+            <a:r>
+              <a:rPr lang="de-DE" sz="2400" dirty="0" err="1">
+                <a:solidFill>
+                  <a:schemeClr val="tx1">
+                    <a:lumMod val="95000"/>
+                  </a:schemeClr>
+                </a:solidFill>
+              </a:rPr>
+              <a:t>continue</a:t>
+            </a:r>
+            <a:r>
+              <a:rPr lang="de-DE" sz="2400" dirty="0">
+                <a:solidFill>
+                  <a:schemeClr val="tx1">
+                    <a:lumMod val="95000"/>
+                  </a:schemeClr>
+                </a:solidFill>
+              </a:rPr>
+              <a:t>“ wird ein gewisser punkt übersprungen, das „</a:t>
+            </a:r>
+            <a:r>
+              <a:rPr lang="de-DE" sz="2400" dirty="0" err="1">
+                <a:solidFill>
+                  <a:schemeClr val="tx1">
+                    <a:lumMod val="95000"/>
+                  </a:schemeClr>
+                </a:solidFill>
+              </a:rPr>
+              <a:t>continue</a:t>
+            </a:r>
+            <a:r>
+              <a:rPr lang="de-DE" sz="2400" dirty="0">
+                <a:solidFill>
+                  <a:schemeClr val="tx1">
+                    <a:lumMod val="95000"/>
+                  </a:schemeClr>
+                </a:solidFill>
+              </a:rPr>
+              <a:t>“ wird in Verbindung mit </a:t>
+            </a:r>
+            <a:r>
+              <a:rPr lang="de-DE" sz="2400" dirty="0" err="1">
+                <a:solidFill>
+                  <a:schemeClr val="tx1">
+                    <a:lumMod val="95000"/>
+                  </a:schemeClr>
+                </a:solidFill>
+              </a:rPr>
+              <a:t>if</a:t>
+            </a:r>
+            <a:r>
+              <a:rPr lang="de-DE" sz="2400" dirty="0">
+                <a:solidFill>
+                  <a:schemeClr val="tx1">
+                    <a:lumMod val="95000"/>
+                  </a:schemeClr>
+                </a:solidFill>
+              </a:rPr>
+              <a:t>-Anweisungen verwendet</a:t>
+            </a:r>
+          </a:p>
+        </p:txBody>
+      </p:sp>
+      <p:sp>
+        <p:nvSpPr>
+          <p:cNvPr id="7" name="Date Placeholder 3">
+            <a:extLst>
+              <a:ext uri="{FF2B5EF4-FFF2-40B4-BE49-F238E27FC236}">
+                <a16:creationId xmlns:a16="http://schemas.microsoft.com/office/drawing/2014/main" id="{18705B3C-262D-45A3-8C90-9FC26244A8CC}"/>
+              </a:ext>
+            </a:extLst>
+          </p:cNvPr>
+          <p:cNvSpPr>
+            <a:spLocks noGrp="1"/>
+          </p:cNvSpPr>
+          <p:nvPr>
+            <p:ph type="dt" sz="half" idx="10"/>
+          </p:nvPr>
+        </p:nvSpPr>
+        <p:spPr>
+          <a:xfrm>
+            <a:off x="838200" y="6356350"/>
+            <a:ext cx="2743200" cy="365125"/>
+          </a:xfrm>
+        </p:spPr>
+        <p:txBody>
+          <a:bodyPr/>
+          <a:lstStyle/>
+          <a:p>
+            <a:fld id="{D4AD37E9-5A10-49A7-855D-CAA2D2E848B6}" type="datetimeFigureOut">
+              <a:rPr lang="de-DE" smtClean="0"/>
+              <a:t>25.07.21</a:t>
+            </a:fld>
+            <a:endParaRPr lang="de-DE"/>
+          </a:p>
+        </p:txBody>
+      </p:sp>
+      <p:sp>
+        <p:nvSpPr>
+          <p:cNvPr id="8" name="Footer Placeholder 4">
+            <a:extLst>
+              <a:ext uri="{FF2B5EF4-FFF2-40B4-BE49-F238E27FC236}">
+                <a16:creationId xmlns:a16="http://schemas.microsoft.com/office/drawing/2014/main" id="{6833897F-8945-43C1-8EE1-2E83FF8331D9}"/>
+              </a:ext>
+            </a:extLst>
+          </p:cNvPr>
+          <p:cNvSpPr>
+            <a:spLocks noGrp="1"/>
+          </p:cNvSpPr>
+          <p:nvPr>
+            <p:ph type="ftr" sz="quarter" idx="11"/>
+          </p:nvPr>
+        </p:nvSpPr>
+        <p:spPr>
+          <a:xfrm>
+            <a:off x="4038600" y="6356350"/>
+            <a:ext cx="4114800" cy="365125"/>
+          </a:xfrm>
+        </p:spPr>
+        <p:txBody>
+          <a:bodyPr/>
+          <a:lstStyle/>
+          <a:p>
+            <a:r>
+              <a:rPr lang="de-DE" dirty="0">
+                <a:solidFill>
+                  <a:schemeClr val="tx1">
+                    <a:lumMod val="95000"/>
+                  </a:schemeClr>
+                </a:solidFill>
+              </a:rPr>
+              <a:t>Kontrollstrukturen II</a:t>
+            </a:r>
+            <a:endParaRPr lang="de-DE" sz="1200" dirty="0">
+              <a:solidFill>
+                <a:schemeClr val="tx1">
+                  <a:lumMod val="95000"/>
+                </a:schemeClr>
+              </a:solidFill>
+            </a:endParaRPr>
+          </a:p>
+        </p:txBody>
+      </p:sp>
+      <p:sp>
+        <p:nvSpPr>
+          <p:cNvPr id="9" name="Slide Number Placeholder 5">
+            <a:extLst>
+              <a:ext uri="{FF2B5EF4-FFF2-40B4-BE49-F238E27FC236}">
+                <a16:creationId xmlns:a16="http://schemas.microsoft.com/office/drawing/2014/main" id="{4CB1546C-41E9-4CE9-A31D-18CB078FE5F0}"/>
+              </a:ext>
+            </a:extLst>
+          </p:cNvPr>
+          <p:cNvSpPr>
+            <a:spLocks noGrp="1"/>
+          </p:cNvSpPr>
+          <p:nvPr>
+            <p:ph type="sldNum" sz="quarter" idx="12"/>
+          </p:nvPr>
+        </p:nvSpPr>
+        <p:spPr>
+          <a:xfrm>
+            <a:off x="8610600" y="6356350"/>
+            <a:ext cx="2743200" cy="365125"/>
+          </a:xfrm>
+        </p:spPr>
+        <p:txBody>
+          <a:bodyPr/>
+          <a:lstStyle/>
+          <a:p>
+            <a:fld id="{312A73BE-F097-4DBB-AEB2-4CC070160BA0}" type="slidenum">
+              <a:rPr lang="de-DE" smtClean="0"/>
+              <a:t>4</a:t>
+            </a:fld>
+            <a:endParaRPr lang="de-DE"/>
+          </a:p>
+        </p:txBody>
+      </p:sp>
+    </p:spTree>
+    <p:extLst>
+      <p:ext uri="{BB962C8B-B14F-4D97-AF65-F5344CB8AC3E}">
+        <p14:creationId xmlns:p14="http://schemas.microsoft.com/office/powerpoint/2010/main" val="1683346680"/>
+      </p:ext>
+    </p:extLst>
+  </p:cSld>
+  <p:clrMapOvr>
+    <a:masterClrMapping/>
+  </p:clrMapOvr>
+  <p:timing>
+    <p:tnLst>
+      <p:par>
+        <p:cTn id="1" dur="indefinite" restart="never" nodeType="tmRoot">
+          <p:childTnLst>
+            <p:seq concurrent="1" nextAc="seek">
+              <p:cTn id="2" dur="indefinite" nodeType="mainSeq">
+                <p:childTnLst>
+                  <p:par>
+                    <p:cTn id="3" fill="hold">
+                      <p:stCondLst>
+                        <p:cond delay="indefinite"/>
+                      </p:stCondLst>
+                      <p:childTnLst>
+                        <p:par>
+                          <p:cTn id="4" fill="hold">
+                            <p:stCondLst>
+                              <p:cond delay="0"/>
+                            </p:stCondLst>
+                            <p:childTnLst>
+                              <p:par>
+                                <p:cTn id="5" presetID="10" presetClass="entr" presetSubtype="0" fill="hold" grpId="0" nodeType="clickEffect">
+                                  <p:stCondLst>
+                                    <p:cond delay="0"/>
+                                  </p:stCondLst>
+                                  <p:childTnLst>
+                                    <p:set>
+                                      <p:cBhvr>
+                                        <p:cTn id="6" dur="1" fill="hold">
+                                          <p:stCondLst>
+                                            <p:cond delay="0"/>
+                                          </p:stCondLst>
+                                        </p:cTn>
+                                        <p:tgtEl>
+                                          <p:spTgt spid="6">
+                                            <p:txEl>
+                                              <p:pRg st="0" end="0"/>
+                                            </p:txEl>
+                                          </p:spTgt>
+                                        </p:tgtEl>
+                                        <p:attrNameLst>
+                                          <p:attrName>style.visibility</p:attrName>
+                                        </p:attrNameLst>
+                                      </p:cBhvr>
+                                      <p:to>
+                                        <p:strVal val="visible"/>
+                                      </p:to>
+                                    </p:set>
+                                    <p:animEffect transition="in" filter="fade">
+                                      <p:cBhvr>
+                                        <p:cTn id="7" dur="500"/>
+                                        <p:tgtEl>
+                                          <p:spTgt spid="6">
+                                            <p:txEl>
+                                              <p:pRg st="0" end="0"/>
+                                            </p:txEl>
+                                          </p:spTgt>
+                                        </p:tgtEl>
+                                      </p:cBhvr>
+                                    </p:animEffect>
+                                  </p:childTnLst>
+                                </p:cTn>
+                              </p:par>
+                              <p:par>
+                                <p:cTn id="8" presetID="10" presetClass="entr" presetSubtype="0" fill="hold" grpId="0" nodeType="withEffect">
+                                  <p:stCondLst>
+                                    <p:cond delay="0"/>
+                                  </p:stCondLst>
+                                  <p:childTnLst>
+                                    <p:set>
+                                      <p:cBhvr>
+                                        <p:cTn id="9" dur="1" fill="hold">
+                                          <p:stCondLst>
+                                            <p:cond delay="0"/>
+                                          </p:stCondLst>
+                                        </p:cTn>
+                                        <p:tgtEl>
+                                          <p:spTgt spid="6">
+                                            <p:txEl>
+                                              <p:pRg st="1" end="1"/>
+                                            </p:txEl>
+                                          </p:spTgt>
+                                        </p:tgtEl>
+                                        <p:attrNameLst>
+                                          <p:attrName>style.visibility</p:attrName>
+                                        </p:attrNameLst>
+                                      </p:cBhvr>
+                                      <p:to>
+                                        <p:strVal val="visible"/>
+                                      </p:to>
+                                    </p:set>
+                                    <p:animEffect transition="in" filter="fade">
+                                      <p:cBhvr>
+                                        <p:cTn id="10" dur="500"/>
+                                        <p:tgtEl>
+                                          <p:spTgt spid="6">
+                                            <p:txEl>
+                                              <p:pRg st="1" end="1"/>
+                                            </p:txEl>
+                                          </p:spTgt>
+                                        </p:tgtEl>
+                                      </p:cBhvr>
+                                    </p:animEffect>
+                                  </p:childTnLst>
+                                </p:cTn>
+                              </p:par>
+                              <p:par>
+                                <p:cTn id="11" presetID="10" presetClass="entr" presetSubtype="0" fill="hold" grpId="0" nodeType="withEffect">
+                                  <p:stCondLst>
+                                    <p:cond delay="0"/>
+                                  </p:stCondLst>
+                                  <p:childTnLst>
+                                    <p:set>
+                                      <p:cBhvr>
+                                        <p:cTn id="12" dur="1" fill="hold">
+                                          <p:stCondLst>
+                                            <p:cond delay="0"/>
+                                          </p:stCondLst>
+                                        </p:cTn>
+                                        <p:tgtEl>
+                                          <p:spTgt spid="6">
+                                            <p:txEl>
+                                              <p:pRg st="2" end="2"/>
+                                            </p:txEl>
+                                          </p:spTgt>
+                                        </p:tgtEl>
+                                        <p:attrNameLst>
+                                          <p:attrName>style.visibility</p:attrName>
+                                        </p:attrNameLst>
+                                      </p:cBhvr>
+                                      <p:to>
+                                        <p:strVal val="visible"/>
+                                      </p:to>
+                                    </p:set>
+                                    <p:animEffect transition="in" filter="fade">
+                                      <p:cBhvr>
+                                        <p:cTn id="13" dur="500"/>
+                                        <p:tgtEl>
+                                          <p:spTgt spid="6">
+                                            <p:txEl>
+                                              <p:pRg st="2" end="2"/>
+                                            </p:txEl>
+                                          </p:spTgt>
+                                        </p:tgtEl>
+                                      </p:cBhvr>
+                                    </p:animEffect>
+                                  </p:childTnLst>
+                                </p:cTn>
+                              </p:par>
+                            </p:childTnLst>
+                          </p:cTn>
+                        </p:par>
+                      </p:childTnLst>
+                    </p:cTn>
+                  </p:par>
+                  <p:par>
+                    <p:cTn id="14" fill="hold">
+                      <p:stCondLst>
+                        <p:cond delay="indefinite"/>
+                      </p:stCondLst>
+                      <p:childTnLst>
+                        <p:par>
+                          <p:cTn id="15" fill="hold">
+                            <p:stCondLst>
+                              <p:cond delay="0"/>
+                            </p:stCondLst>
+                            <p:childTnLst>
+                              <p:par>
+                                <p:cTn id="16" presetID="10" presetClass="entr" presetSubtype="0" fill="hold" grpId="0" nodeType="clickEffect">
+                                  <p:stCondLst>
+                                    <p:cond delay="0"/>
+                                  </p:stCondLst>
+                                  <p:childTnLst>
+                                    <p:set>
+                                      <p:cBhvr>
+                                        <p:cTn id="17" dur="1" fill="hold">
+                                          <p:stCondLst>
+                                            <p:cond delay="0"/>
+                                          </p:stCondLst>
+                                        </p:cTn>
+                                        <p:tgtEl>
+                                          <p:spTgt spid="6">
+                                            <p:txEl>
+                                              <p:pRg st="3" end="3"/>
+                                            </p:txEl>
+                                          </p:spTgt>
+                                        </p:tgtEl>
+                                        <p:attrNameLst>
+                                          <p:attrName>style.visibility</p:attrName>
+                                        </p:attrNameLst>
+                                      </p:cBhvr>
+                                      <p:to>
+                                        <p:strVal val="visible"/>
+                                      </p:to>
+                                    </p:set>
+                                    <p:animEffect transition="in" filter="fade">
+                                      <p:cBhvr>
+                                        <p:cTn id="18" dur="500"/>
+                                        <p:tgtEl>
+                                          <p:spTgt spid="6">
+                                            <p:txEl>
+                                              <p:pRg st="3" end="3"/>
+                                            </p:txEl>
+                                          </p:spTgt>
+                                        </p:tgtEl>
+                                      </p:cBhvr>
+                                    </p:animEffect>
+                                  </p:childTnLst>
+                                </p:cTn>
+                              </p:par>
+                            </p:childTnLst>
+                          </p:cTn>
+                        </p:par>
+                      </p:childTnLst>
+                    </p:cTn>
+                  </p:par>
+                  <p:par>
+                    <p:cTn id="19" fill="hold">
+                      <p:stCondLst>
+                        <p:cond delay="indefinite"/>
+                      </p:stCondLst>
+                      <p:childTnLst>
+                        <p:par>
+                          <p:cTn id="20" fill="hold">
+                            <p:stCondLst>
+                              <p:cond delay="0"/>
+                            </p:stCondLst>
+                            <p:childTnLst>
+                              <p:par>
+                                <p:cTn id="21" presetID="10" presetClass="entr" presetSubtype="0" fill="hold" grpId="0" nodeType="clickEffect">
+                                  <p:stCondLst>
+                                    <p:cond delay="0"/>
+                                  </p:stCondLst>
+                                  <p:childTnLst>
+                                    <p:set>
+                                      <p:cBhvr>
+                                        <p:cTn id="22" dur="1" fill="hold">
+                                          <p:stCondLst>
+                                            <p:cond delay="0"/>
+                                          </p:stCondLst>
+                                        </p:cTn>
+                                        <p:tgtEl>
+                                          <p:spTgt spid="6">
+                                            <p:txEl>
+                                              <p:pRg st="4" end="4"/>
+                                            </p:txEl>
+                                          </p:spTgt>
+                                        </p:tgtEl>
+                                        <p:attrNameLst>
+                                          <p:attrName>style.visibility</p:attrName>
+                                        </p:attrNameLst>
+                                      </p:cBhvr>
+                                      <p:to>
+                                        <p:strVal val="visible"/>
+                                      </p:to>
+                                    </p:set>
+                                    <p:animEffect transition="in" filter="fade">
+                                      <p:cBhvr>
+                                        <p:cTn id="23" dur="500"/>
+                                        <p:tgtEl>
+                                          <p:spTgt spid="6">
+                                            <p:txEl>
+                                              <p:pRg st="4" end="4"/>
+                                            </p:txEl>
+                                          </p:spTgt>
+                                        </p:tgtEl>
+                                      </p:cBhvr>
+                                    </p:animEffect>
+                                  </p:childTnLst>
+                                </p:cTn>
+                              </p:par>
+                            </p:childTnLst>
+                          </p:cTn>
+                        </p:par>
+                      </p:childTnLst>
+                    </p:cTn>
+                  </p:par>
+                </p:childTnLst>
+              </p:cTn>
+              <p:prevCondLst>
+                <p:cond evt="onPrev" delay="0">
+                  <p:tgtEl>
+                    <p:sldTgt/>
+                  </p:tgtEl>
+                </p:cond>
+              </p:prevCondLst>
+              <p:nextCondLst>
+                <p:cond evt="onNext" delay="0">
+                  <p:tgtEl>
+                    <p:sldTgt/>
+                  </p:tgtEl>
+                </p:cond>
+              </p:nextCondLst>
+            </p:seq>
+          </p:childTnLst>
+        </p:cTn>
+      </p:par>
+    </p:tnLst>
+    <p:bldLst>
+      <p:bldP spid="6" grpId="0" uiExpand="1" build="p"/>
+    </p:bldLst>
+  </p:timing>
+</p:sld>
+</file>
+
+<file path=ppt/slides/slide5.xml><?xml version="1.0" encoding="utf-8"?>
+<p:sld xmlns:a="http://schemas.openxmlformats.org/drawingml/2006/main" xmlns:r="http://schemas.openxmlformats.org/officeDocument/2006/relationships" xmlns:p="http://schemas.openxmlformats.org/presentationml/2006/main">
+  <p:cSld>
+    <p:spTree>
+      <p:nvGrpSpPr>
+        <p:cNvPr id="1" name=""/>
+        <p:cNvGrpSpPr/>
+        <p:nvPr/>
+      </p:nvGrpSpPr>
+      <p:grpSpPr>
+        <a:xfrm>
+          <a:off x="0" y="0"/>
+          <a:ext cx="0" cy="0"/>
+          <a:chOff x="0" y="0"/>
+          <a:chExt cx="0" cy="0"/>
+        </a:xfrm>
+      </p:grpSpPr>
+      <p:sp>
+        <p:nvSpPr>
+          <p:cNvPr id="5" name="Titel 4">
+            <a:extLst>
+              <a:ext uri="{FF2B5EF4-FFF2-40B4-BE49-F238E27FC236}">
+                <a16:creationId xmlns:a16="http://schemas.microsoft.com/office/drawing/2014/main" id="{BDF2C912-E02F-4E1F-82DF-351A88BA5B31}"/>
+              </a:ext>
+            </a:extLst>
+          </p:cNvPr>
+          <p:cNvSpPr>
+            <a:spLocks noGrp="1"/>
+          </p:cNvSpPr>
+          <p:nvPr>
+            <p:ph type="title"/>
+          </p:nvPr>
+        </p:nvSpPr>
+        <p:spPr>
+          <a:xfrm>
+            <a:off x="838200" y="365125"/>
+            <a:ext cx="7958667" cy="1137104"/>
+          </a:xfrm>
+        </p:spPr>
+        <p:txBody>
+          <a:bodyPr anchor="b">
+            <a:normAutofit/>
+          </a:bodyPr>
+          <a:lstStyle/>
+          <a:p>
+            <a:r>
+              <a:rPr lang="de-DE" sz="4400" dirty="0">
+                <a:solidFill>
+                  <a:schemeClr val="tx1">
+                    <a:lumMod val="95000"/>
+                  </a:schemeClr>
+                </a:solidFill>
+              </a:rPr>
               <a:t>Zuweisungsoperatoren</a:t>
             </a:r>
           </a:p>
@@ -8118,7 +8807,7 @@
                   </a:schemeClr>
                 </a:solidFill>
               </a:rPr>
-              <a:t>zb</a:t>
+              <a:t>z.b.</a:t>
             </a:r>
             <a:endParaRPr lang="de-DE" sz="2400" dirty="0">
               <a:solidFill>
@@ -8131,7 +8820,7 @@
           <a:p>
             <a:pPr lvl="1"/>
             <a:r>
-              <a:rPr lang="de-DE" sz="1600" dirty="0">
+              <a:rPr lang="de-DE" sz="2000" dirty="0">
                 <a:solidFill>
                   <a:schemeClr val="tx1">
                     <a:lumMod val="95000"/>
@@ -8141,7 +8830,7 @@
               <a:t>A = 4 </a:t>
             </a:r>
             <a:r>
-              <a:rPr lang="de-DE" sz="1600" dirty="0">
+              <a:rPr lang="de-DE" sz="2000" dirty="0">
                 <a:solidFill>
                   <a:schemeClr val="tx1">
                     <a:lumMod val="95000"/>
@@ -8155,7 +8844,7 @@
           <a:p>
             <a:pPr lvl="1"/>
             <a:r>
-              <a:rPr lang="de-DE" sz="1600" dirty="0">
+              <a:rPr lang="de-DE" sz="2000" dirty="0">
                 <a:solidFill>
                   <a:schemeClr val="tx1">
                     <a:lumMod val="95000"/>
@@ -8169,7 +8858,7 @@
           <a:p>
             <a:pPr lvl="1"/>
             <a:r>
-              <a:rPr lang="de-DE" sz="1600" dirty="0">
+              <a:rPr lang="de-DE" sz="2000" dirty="0">
                 <a:solidFill>
                   <a:schemeClr val="tx1">
                     <a:lumMod val="95000"/>
@@ -8179,7 +8868,7 @@
               </a:rPr>
               <a:t>-=, *=, //=…</a:t>
             </a:r>
-            <a:endParaRPr lang="de-DE" sz="1600" dirty="0">
+            <a:endParaRPr lang="de-DE" sz="2000" dirty="0">
               <a:solidFill>
                 <a:schemeClr val="tx1">
                   <a:lumMod val="95000"/>
@@ -8297,7 +8986,7 @@
           <a:p>
             <a:fld id="{312A73BE-F097-4DBB-AEB2-4CC070160BA0}" type="slidenum">
               <a:rPr lang="de-DE" smtClean="0"/>
-              <a:t>4</a:t>
+              <a:t>5</a:t>
             </a:fld>
             <a:endParaRPr lang="de-DE"/>
           </a:p>
